--- a/Alunos/Atividades.pptx
+++ b/Alunos/Atividades.pptx
@@ -5,10 +5,10 @@
     <p:sldMasterId id="2147483672" r:id="rId1"/>
   </p:sldMasterIdLst>
   <p:notesMasterIdLst>
-    <p:notesMasterId r:id="rId13"/>
+    <p:notesMasterId r:id="rId14"/>
   </p:notesMasterIdLst>
   <p:handoutMasterIdLst>
-    <p:handoutMasterId r:id="rId14"/>
+    <p:handoutMasterId r:id="rId15"/>
   </p:handoutMasterIdLst>
   <p:sldIdLst>
     <p:sldId id="256" r:id="rId2"/>
@@ -18,10 +18,11 @@
     <p:sldId id="315" r:id="rId6"/>
     <p:sldId id="294" r:id="rId7"/>
     <p:sldId id="271" r:id="rId8"/>
-    <p:sldId id="279" r:id="rId9"/>
-    <p:sldId id="292" r:id="rId10"/>
-    <p:sldId id="291" r:id="rId11"/>
+    <p:sldId id="316" r:id="rId9"/>
+    <p:sldId id="317" r:id="rId10"/>
+    <p:sldId id="318" r:id="rId11"/>
     <p:sldId id="309" r:id="rId12"/>
+    <p:sldId id="319" r:id="rId13"/>
   </p:sldIdLst>
   <p:sldSz cx="12192000" cy="6858000"/>
   <p:notesSz cx="6858000" cy="9144000"/>
@@ -213,7 +214,7 @@
           <a:p>
             <a:fld id="{CE9EE758-9CAE-433F-B796-16C56E17460B}" type="datetimeFigureOut">
               <a:rPr lang="pt-BR" smtClean="0"/>
-              <a:t>31/10/2018</a:t>
+              <a:t>02/11/2018</a:t>
             </a:fld>
             <a:endParaRPr lang="pt-BR"/>
           </a:p>
@@ -379,7 +380,7 @@
           <a:p>
             <a:fld id="{FBCA46B2-73EF-4C4A-BBF3-1FCF65D31F9F}" type="datetimeFigureOut">
               <a:rPr lang="pt-BR" smtClean="0"/>
-              <a:t>31/10/2018</a:t>
+              <a:t>02/11/2018</a:t>
             </a:fld>
             <a:endParaRPr lang="pt-BR"/>
           </a:p>
@@ -838,7 +839,7 @@
           <a:graphicData uri="http://schemas.openxmlformats.org/presentationml/2006/ole">
             <mc:AlternateContent xmlns:mc="http://schemas.openxmlformats.org/markup-compatibility/2006">
               <mc:Choice xmlns:v="urn:schemas-microsoft-com:vml" Requires="v">
-                <p:oleObj spid="_x0000_s1117" name="Slide do think-cell" r:id="rId6" imgW="270" imgH="270" progId="TCLayout.ActiveDocument.1">
+                <p:oleObj spid="_x0000_s1121" name="Slide do think-cell" r:id="rId6" imgW="270" imgH="270" progId="TCLayout.ActiveDocument.1">
                   <p:embed/>
                 </p:oleObj>
               </mc:Choice>
@@ -1820,8 +1821,21 @@
                   <a:srgbClr val="FF0000"/>
                 </a:solidFill>
               </a:rPr>
-              <a:t>Não esquecer que grade de rateio tem que somar 100% nas linhas e colunas.</a:t>
-            </a:r>
+              <a:t>Não esquecer que grade de rateio tem que somar 100% nas </a:t>
+            </a:r>
+            <a:r>
+              <a:rPr lang="pt-BR" sz="1800" b="1" dirty="0" smtClean="0">
+                <a:solidFill>
+                  <a:srgbClr val="FF0000"/>
+                </a:solidFill>
+              </a:rPr>
+              <a:t>linhas.</a:t>
+            </a:r>
+            <a:endParaRPr lang="pt-BR" sz="1800" b="1" dirty="0" smtClean="0">
+              <a:solidFill>
+                <a:srgbClr val="FF0000"/>
+              </a:solidFill>
+            </a:endParaRPr>
           </a:p>
           <a:p>
             <a:endParaRPr lang="pt-BR" sz="1800" dirty="0" smtClean="0"/>
@@ -2022,7 +2036,7 @@
                 </a:solidFill>
                 <a:latin typeface="Corbel" panose="020B0503020204020204" pitchFamily="34" charset="0"/>
               </a:rPr>
-              <a:t>Continuação 2 - 7</a:t>
+              <a:t>Continuação 2</a:t>
             </a:r>
           </a:p>
         </p:txBody>
@@ -2060,7 +2074,7 @@
     </p:spTree>
     <p:extLst>
       <p:ext uri="{BB962C8B-B14F-4D97-AF65-F5344CB8AC3E}">
-        <p14:creationId xmlns:p14="http://schemas.microsoft.com/office/powerpoint/2010/main" val="1328792477"/>
+        <p14:creationId xmlns:p14="http://schemas.microsoft.com/office/powerpoint/2010/main" val="2760346238"/>
       </p:ext>
     </p:extLst>
   </p:cSld>
@@ -2472,6 +2486,426 @@
     <p:extLst>
       <p:ext uri="{BB962C8B-B14F-4D97-AF65-F5344CB8AC3E}">
         <p14:creationId xmlns:p14="http://schemas.microsoft.com/office/powerpoint/2010/main" val="1602921918"/>
+      </p:ext>
+    </p:extLst>
+  </p:cSld>
+  <p:clrMapOvr>
+    <a:masterClrMapping/>
+  </p:clrMapOvr>
+  <p:timing>
+    <p:tnLst>
+      <p:par>
+        <p:cTn id="1" dur="indefinite" restart="never" nodeType="tmRoot"/>
+      </p:par>
+    </p:tnLst>
+  </p:timing>
+</p:sld>
+</file>
+
+<file path=ppt/slides/slide12.xml><?xml version="1.0" encoding="utf-8"?>
+<p:sld xmlns:a="http://schemas.openxmlformats.org/drawingml/2006/main" xmlns:r="http://schemas.openxmlformats.org/officeDocument/2006/relationships" xmlns:p="http://schemas.openxmlformats.org/presentationml/2006/main">
+  <p:cSld>
+    <p:spTree>
+      <p:nvGrpSpPr>
+        <p:cNvPr id="1" name=""/>
+        <p:cNvGrpSpPr/>
+        <p:nvPr/>
+      </p:nvGrpSpPr>
+      <p:grpSpPr>
+        <a:xfrm>
+          <a:off x="0" y="0"/>
+          <a:ext cx="0" cy="0"/>
+          <a:chOff x="0" y="0"/>
+          <a:chExt cx="0" cy="0"/>
+        </a:xfrm>
+      </p:grpSpPr>
+      <p:sp>
+        <p:nvSpPr>
+          <p:cNvPr id="6" name="Subtítulo 2"/>
+          <p:cNvSpPr txBox="1">
+            <a:spLocks/>
+          </p:cNvSpPr>
+          <p:nvPr/>
+        </p:nvSpPr>
+        <p:spPr>
+          <a:xfrm>
+            <a:off x="210670" y="153054"/>
+            <a:ext cx="10058400" cy="718315"/>
+          </a:xfrm>
+        </p:spPr>
+        <p:txBody>
+          <a:bodyPr>
+            <a:noAutofit/>
+          </a:bodyPr>
+          <a:lstStyle>
+            <a:lvl1pPr marL="342900" indent="-342900" algn="l" rtl="0" eaLnBrk="0" fontAlgn="base" hangingPunct="0">
+              <a:spcBef>
+                <a:spcPct val="20000"/>
+              </a:spcBef>
+              <a:spcAft>
+                <a:spcPct val="0"/>
+              </a:spcAft>
+              <a:buFont typeface="Arial" charset="0"/>
+              <a:buChar char="•"/>
+              <a:defRPr lang="pt-BR" sz="2800" kern="1200" dirty="0">
+                <a:solidFill>
+                  <a:schemeClr val="tx1"/>
+                </a:solidFill>
+                <a:latin typeface="+mn-lt"/>
+                <a:ea typeface="+mn-ea"/>
+                <a:cs typeface="+mn-cs"/>
+              </a:defRPr>
+            </a:lvl1pPr>
+            <a:lvl2pPr marL="742950" indent="-285750" algn="l" rtl="0" eaLnBrk="0" fontAlgn="base" hangingPunct="0">
+              <a:spcBef>
+                <a:spcPct val="20000"/>
+              </a:spcBef>
+              <a:spcAft>
+                <a:spcPct val="0"/>
+              </a:spcAft>
+              <a:buFont typeface="Arial" charset="0"/>
+              <a:buChar char="•"/>
+              <a:defRPr lang="pt-BR" sz="2400" kern="1200" dirty="0">
+                <a:solidFill>
+                  <a:schemeClr val="tx1"/>
+                </a:solidFill>
+                <a:latin typeface="+mn-lt"/>
+                <a:ea typeface="+mn-ea"/>
+                <a:cs typeface="+mn-cs"/>
+              </a:defRPr>
+            </a:lvl2pPr>
+            <a:lvl3pPr marL="1143000" indent="-228600" algn="l" rtl="0" eaLnBrk="0" fontAlgn="base" hangingPunct="0">
+              <a:spcBef>
+                <a:spcPct val="20000"/>
+              </a:spcBef>
+              <a:spcAft>
+                <a:spcPct val="0"/>
+              </a:spcAft>
+              <a:buFont typeface="Arial" charset="0"/>
+              <a:buChar char="•"/>
+              <a:defRPr lang="pt-BR" sz="2400" kern="1200" dirty="0">
+                <a:solidFill>
+                  <a:schemeClr val="tx1"/>
+                </a:solidFill>
+                <a:latin typeface="+mn-lt"/>
+                <a:ea typeface="+mn-ea"/>
+                <a:cs typeface="+mn-cs"/>
+              </a:defRPr>
+            </a:lvl3pPr>
+            <a:lvl4pPr marL="1600200" indent="-228600" algn="l" rtl="0" eaLnBrk="0" fontAlgn="base" hangingPunct="0">
+              <a:spcBef>
+                <a:spcPct val="20000"/>
+              </a:spcBef>
+              <a:spcAft>
+                <a:spcPct val="0"/>
+              </a:spcAft>
+              <a:buFont typeface="Arial" charset="0"/>
+              <a:buChar char="•"/>
+              <a:defRPr lang="pt-BR" sz="2000" kern="1200" dirty="0">
+                <a:solidFill>
+                  <a:schemeClr val="tx1"/>
+                </a:solidFill>
+                <a:latin typeface="+mn-lt"/>
+                <a:ea typeface="+mn-ea"/>
+                <a:cs typeface="+mn-cs"/>
+              </a:defRPr>
+            </a:lvl4pPr>
+            <a:lvl5pPr marL="2057400" indent="-228600" algn="l" rtl="0" eaLnBrk="0" fontAlgn="base" hangingPunct="0">
+              <a:spcBef>
+                <a:spcPct val="20000"/>
+              </a:spcBef>
+              <a:spcAft>
+                <a:spcPct val="0"/>
+              </a:spcAft>
+              <a:buFont typeface="Arial" charset="0"/>
+              <a:buChar char="•"/>
+              <a:defRPr lang="pt-BR" sz="2000" kern="1200" dirty="0">
+                <a:solidFill>
+                  <a:schemeClr val="tx1"/>
+                </a:solidFill>
+                <a:latin typeface="+mn-lt"/>
+                <a:ea typeface="+mn-ea"/>
+                <a:cs typeface="+mn-cs"/>
+              </a:defRPr>
+            </a:lvl5pPr>
+            <a:lvl6pPr marL="2514600" indent="-228600" algn="l" defTabSz="914400" rtl="0" eaLnBrk="1" latinLnBrk="0" hangingPunct="1">
+              <a:spcBef>
+                <a:spcPct val="20000"/>
+              </a:spcBef>
+              <a:buFont typeface="Arial" pitchFamily="34" charset="0"/>
+              <a:buChar char="•"/>
+              <a:defRPr sz="2000" kern="1200">
+                <a:solidFill>
+                  <a:schemeClr val="tx1"/>
+                </a:solidFill>
+                <a:latin typeface="+mn-lt"/>
+                <a:ea typeface="+mn-ea"/>
+                <a:cs typeface="+mn-cs"/>
+              </a:defRPr>
+            </a:lvl6pPr>
+            <a:lvl7pPr marL="2971800" indent="-228600" algn="l" defTabSz="914400" rtl="0" eaLnBrk="1" latinLnBrk="0" hangingPunct="1">
+              <a:spcBef>
+                <a:spcPct val="20000"/>
+              </a:spcBef>
+              <a:buFont typeface="Arial" pitchFamily="34" charset="0"/>
+              <a:buChar char="•"/>
+              <a:defRPr sz="2000" kern="1200">
+                <a:solidFill>
+                  <a:schemeClr val="tx1"/>
+                </a:solidFill>
+                <a:latin typeface="+mn-lt"/>
+                <a:ea typeface="+mn-ea"/>
+                <a:cs typeface="+mn-cs"/>
+              </a:defRPr>
+            </a:lvl7pPr>
+            <a:lvl8pPr marL="3429000" indent="-228600" algn="l" defTabSz="914400" rtl="0" eaLnBrk="1" latinLnBrk="0" hangingPunct="1">
+              <a:spcBef>
+                <a:spcPct val="20000"/>
+              </a:spcBef>
+              <a:buFont typeface="Arial" pitchFamily="34" charset="0"/>
+              <a:buChar char="•"/>
+              <a:defRPr sz="2000" kern="1200">
+                <a:solidFill>
+                  <a:schemeClr val="tx1"/>
+                </a:solidFill>
+                <a:latin typeface="+mn-lt"/>
+                <a:ea typeface="+mn-ea"/>
+                <a:cs typeface="+mn-cs"/>
+              </a:defRPr>
+            </a:lvl8pPr>
+            <a:lvl9pPr marL="3886200" indent="-228600" algn="l" defTabSz="914400" rtl="0" eaLnBrk="1" latinLnBrk="0" hangingPunct="1">
+              <a:spcBef>
+                <a:spcPct val="20000"/>
+              </a:spcBef>
+              <a:buFont typeface="Arial" pitchFamily="34" charset="0"/>
+              <a:buChar char="•"/>
+              <a:defRPr sz="2000" kern="1200">
+                <a:solidFill>
+                  <a:schemeClr val="tx1"/>
+                </a:solidFill>
+                <a:latin typeface="+mn-lt"/>
+                <a:ea typeface="+mn-ea"/>
+                <a:cs typeface="+mn-cs"/>
+              </a:defRPr>
+            </a:lvl9pPr>
+          </a:lstStyle>
+          <a:p>
+            <a:pPr marL="0" indent="0">
+              <a:lnSpc>
+                <a:spcPct val="150000"/>
+              </a:lnSpc>
+              <a:buFont typeface="Arial" charset="0"/>
+              <a:buNone/>
+            </a:pPr>
+            <a:r>
+              <a:rPr lang="pt-BR" sz="2400" b="1" dirty="0" smtClean="0">
+                <a:solidFill>
+                  <a:schemeClr val="accent6">
+                    <a:lumMod val="75000"/>
+                  </a:schemeClr>
+                </a:solidFill>
+                <a:latin typeface="Corbel" panose="020B0503020204020204" pitchFamily="34" charset="0"/>
+              </a:rPr>
+              <a:t>ATIVIDADE</a:t>
+            </a:r>
+            <a:endParaRPr lang="pt-BR" sz="2400" b="1" dirty="0" smtClean="0">
+              <a:solidFill>
+                <a:schemeClr val="accent6">
+                  <a:lumMod val="75000"/>
+                </a:schemeClr>
+              </a:solidFill>
+              <a:latin typeface="Corbel" panose="020B0503020204020204" pitchFamily="34" charset="0"/>
+            </a:endParaRPr>
+          </a:p>
+        </p:txBody>
+      </p:sp>
+      <p:sp>
+        <p:nvSpPr>
+          <p:cNvPr id="11" name="Subtítulo 1"/>
+          <p:cNvSpPr txBox="1">
+            <a:spLocks/>
+          </p:cNvSpPr>
+          <p:nvPr/>
+        </p:nvSpPr>
+        <p:spPr>
+          <a:xfrm>
+            <a:off x="692971" y="1913794"/>
+            <a:ext cx="10896600" cy="2817812"/>
+          </a:xfrm>
+        </p:spPr>
+        <p:txBody>
+          <a:bodyPr>
+            <a:noAutofit/>
+          </a:bodyPr>
+          <a:lstStyle>
+            <a:lvl1pPr marL="342900" indent="-342900" algn="l" rtl="0" eaLnBrk="0" fontAlgn="base" hangingPunct="0">
+              <a:spcBef>
+                <a:spcPct val="20000"/>
+              </a:spcBef>
+              <a:spcAft>
+                <a:spcPct val="0"/>
+              </a:spcAft>
+              <a:buFont typeface="Arial" charset="0"/>
+              <a:buChar char="•"/>
+              <a:defRPr lang="pt-BR" sz="2800" kern="1200" dirty="0">
+                <a:solidFill>
+                  <a:schemeClr val="tx1"/>
+                </a:solidFill>
+                <a:latin typeface="+mn-lt"/>
+                <a:ea typeface="+mn-ea"/>
+                <a:cs typeface="+mn-cs"/>
+              </a:defRPr>
+            </a:lvl1pPr>
+            <a:lvl2pPr marL="742950" indent="-285750" algn="l" rtl="0" eaLnBrk="0" fontAlgn="base" hangingPunct="0">
+              <a:spcBef>
+                <a:spcPct val="20000"/>
+              </a:spcBef>
+              <a:spcAft>
+                <a:spcPct val="0"/>
+              </a:spcAft>
+              <a:buFont typeface="Arial" charset="0"/>
+              <a:buChar char="•"/>
+              <a:defRPr lang="pt-BR" sz="2400" kern="1200" dirty="0">
+                <a:solidFill>
+                  <a:schemeClr val="tx1"/>
+                </a:solidFill>
+                <a:latin typeface="+mn-lt"/>
+                <a:ea typeface="+mn-ea"/>
+                <a:cs typeface="+mn-cs"/>
+              </a:defRPr>
+            </a:lvl2pPr>
+            <a:lvl3pPr marL="1143000" indent="-228600" algn="l" rtl="0" eaLnBrk="0" fontAlgn="base" hangingPunct="0">
+              <a:spcBef>
+                <a:spcPct val="20000"/>
+              </a:spcBef>
+              <a:spcAft>
+                <a:spcPct val="0"/>
+              </a:spcAft>
+              <a:buFont typeface="Arial" charset="0"/>
+              <a:buChar char="•"/>
+              <a:defRPr lang="pt-BR" sz="2400" kern="1200" dirty="0">
+                <a:solidFill>
+                  <a:schemeClr val="tx1"/>
+                </a:solidFill>
+                <a:latin typeface="+mn-lt"/>
+                <a:ea typeface="+mn-ea"/>
+                <a:cs typeface="+mn-cs"/>
+              </a:defRPr>
+            </a:lvl3pPr>
+            <a:lvl4pPr marL="1600200" indent="-228600" algn="l" rtl="0" eaLnBrk="0" fontAlgn="base" hangingPunct="0">
+              <a:spcBef>
+                <a:spcPct val="20000"/>
+              </a:spcBef>
+              <a:spcAft>
+                <a:spcPct val="0"/>
+              </a:spcAft>
+              <a:buFont typeface="Arial" charset="0"/>
+              <a:buChar char="•"/>
+              <a:defRPr lang="pt-BR" sz="2000" kern="1200" dirty="0">
+                <a:solidFill>
+                  <a:schemeClr val="tx1"/>
+                </a:solidFill>
+                <a:latin typeface="+mn-lt"/>
+                <a:ea typeface="+mn-ea"/>
+                <a:cs typeface="+mn-cs"/>
+              </a:defRPr>
+            </a:lvl4pPr>
+            <a:lvl5pPr marL="2057400" indent="-228600" algn="l" rtl="0" eaLnBrk="0" fontAlgn="base" hangingPunct="0">
+              <a:spcBef>
+                <a:spcPct val="20000"/>
+              </a:spcBef>
+              <a:spcAft>
+                <a:spcPct val="0"/>
+              </a:spcAft>
+              <a:buFont typeface="Arial" charset="0"/>
+              <a:buChar char="•"/>
+              <a:defRPr lang="pt-BR" sz="2000" kern="1200" dirty="0">
+                <a:solidFill>
+                  <a:schemeClr val="tx1"/>
+                </a:solidFill>
+                <a:latin typeface="+mn-lt"/>
+                <a:ea typeface="+mn-ea"/>
+                <a:cs typeface="+mn-cs"/>
+              </a:defRPr>
+            </a:lvl5pPr>
+            <a:lvl6pPr marL="2514600" indent="-228600" algn="l" defTabSz="914400" rtl="0" eaLnBrk="1" latinLnBrk="0" hangingPunct="1">
+              <a:spcBef>
+                <a:spcPct val="20000"/>
+              </a:spcBef>
+              <a:buFont typeface="Arial" pitchFamily="34" charset="0"/>
+              <a:buChar char="•"/>
+              <a:defRPr sz="2000" kern="1200">
+                <a:solidFill>
+                  <a:schemeClr val="tx1"/>
+                </a:solidFill>
+                <a:latin typeface="+mn-lt"/>
+                <a:ea typeface="+mn-ea"/>
+                <a:cs typeface="+mn-cs"/>
+              </a:defRPr>
+            </a:lvl6pPr>
+            <a:lvl7pPr marL="2971800" indent="-228600" algn="l" defTabSz="914400" rtl="0" eaLnBrk="1" latinLnBrk="0" hangingPunct="1">
+              <a:spcBef>
+                <a:spcPct val="20000"/>
+              </a:spcBef>
+              <a:buFont typeface="Arial" pitchFamily="34" charset="0"/>
+              <a:buChar char="•"/>
+              <a:defRPr sz="2000" kern="1200">
+                <a:solidFill>
+                  <a:schemeClr val="tx1"/>
+                </a:solidFill>
+                <a:latin typeface="+mn-lt"/>
+                <a:ea typeface="+mn-ea"/>
+                <a:cs typeface="+mn-cs"/>
+              </a:defRPr>
+            </a:lvl7pPr>
+            <a:lvl8pPr marL="3429000" indent="-228600" algn="l" defTabSz="914400" rtl="0" eaLnBrk="1" latinLnBrk="0" hangingPunct="1">
+              <a:spcBef>
+                <a:spcPct val="20000"/>
+              </a:spcBef>
+              <a:buFont typeface="Arial" pitchFamily="34" charset="0"/>
+              <a:buChar char="•"/>
+              <a:defRPr sz="2000" kern="1200">
+                <a:solidFill>
+                  <a:schemeClr val="tx1"/>
+                </a:solidFill>
+                <a:latin typeface="+mn-lt"/>
+                <a:ea typeface="+mn-ea"/>
+                <a:cs typeface="+mn-cs"/>
+              </a:defRPr>
+            </a:lvl8pPr>
+            <a:lvl9pPr marL="3886200" indent="-228600" algn="l" defTabSz="914400" rtl="0" eaLnBrk="1" latinLnBrk="0" hangingPunct="1">
+              <a:spcBef>
+                <a:spcPct val="20000"/>
+              </a:spcBef>
+              <a:buFont typeface="Arial" pitchFamily="34" charset="0"/>
+              <a:buChar char="•"/>
+              <a:defRPr sz="2000" kern="1200">
+                <a:solidFill>
+                  <a:schemeClr val="tx1"/>
+                </a:solidFill>
+                <a:latin typeface="+mn-lt"/>
+                <a:ea typeface="+mn-ea"/>
+                <a:cs typeface="+mn-cs"/>
+              </a:defRPr>
+            </a:lvl9pPr>
+          </a:lstStyle>
+          <a:p>
+            <a:pPr marL="0" indent="0">
+              <a:buFont typeface="Arial" charset="0"/>
+              <a:buNone/>
+            </a:pPr>
+            <a:r>
+              <a:rPr lang="pt-BR" sz="1800" dirty="0" smtClean="0"/>
+              <a:t>USE ARQUIVO DE VENDAS PARA FAZER MEDIA, SOMA, CONTAGEM POR UF x CATEGORIA DE PRODUTO.</a:t>
+            </a:r>
+            <a:endParaRPr lang="pt-BR" sz="1800" dirty="0" smtClean="0"/>
+          </a:p>
+        </p:txBody>
+      </p:sp>
+    </p:spTree>
+    <p:extLst>
+      <p:ext uri="{BB962C8B-B14F-4D97-AF65-F5344CB8AC3E}">
+        <p14:creationId xmlns:p14="http://schemas.microsoft.com/office/powerpoint/2010/main" val="2615027199"/>
       </p:ext>
     </p:extLst>
   </p:cSld>
@@ -4850,14 +5284,6 @@
               </a:rPr>
               <a:t>Atividade 4</a:t>
             </a:r>
-            <a:endParaRPr lang="pt-BR" sz="2400" b="1" dirty="0" smtClean="0">
-              <a:solidFill>
-                <a:schemeClr val="accent6">
-                  <a:lumMod val="75000"/>
-                </a:schemeClr>
-              </a:solidFill>
-              <a:latin typeface="Corbel" panose="020B0503020204020204" pitchFamily="34" charset="0"/>
-            </a:endParaRPr>
           </a:p>
           <a:p>
             <a:pPr>
@@ -6406,7 +6832,7 @@
                 </a:solidFill>
                 <a:latin typeface="Corbel" panose="020B0503020204020204" pitchFamily="34" charset="0"/>
               </a:rPr>
-              <a:t>Atividade 7</a:t>
+              <a:t>Atividade</a:t>
             </a:r>
           </a:p>
         </p:txBody>
@@ -6448,7 +6874,7 @@
     </p:spTree>
     <p:extLst>
       <p:ext uri="{BB962C8B-B14F-4D97-AF65-F5344CB8AC3E}">
-        <p14:creationId xmlns:p14="http://schemas.microsoft.com/office/powerpoint/2010/main" val="950747881"/>
+        <p14:creationId xmlns:p14="http://schemas.microsoft.com/office/powerpoint/2010/main" val="1188788893"/>
       </p:ext>
     </p:extLst>
   </p:cSld>
@@ -6507,7 +6933,15 @@
             <a:pPr algn="just"/>
             <a:r>
               <a:rPr lang="pt-BR" sz="1800" dirty="0" smtClean="0"/>
-              <a:t>Com o resultado do exercício anterior, demonstre em uma única tabela por conta e filial como está a Despesa consolidada e a distribuição percentual por Filia. Depois, do Grupo TOTAL, como esta a distribuição por Conta?</a:t>
+              <a:t>Com o resultado do exercício anterior, demonstre em uma única tabela por conta e filial como está a Despesa consolidada e a distribuição percentual por </a:t>
+            </a:r>
+            <a:r>
+              <a:rPr lang="pt-BR" sz="1800" dirty="0" smtClean="0"/>
+              <a:t>Filial. </a:t>
+            </a:r>
+            <a:r>
+              <a:rPr lang="pt-BR" sz="1800" dirty="0" smtClean="0"/>
+              <a:t>Depois, do Grupo TOTAL, como esta a distribuição por Conta?</a:t>
             </a:r>
             <a:endParaRPr lang="pt-BR" sz="1800" dirty="0"/>
           </a:p>
@@ -6960,7 +7394,7 @@
                 </a:solidFill>
                 <a:latin typeface="Corbel" panose="020B0503020204020204" pitchFamily="34" charset="0"/>
               </a:rPr>
-              <a:t>Continuação 7</a:t>
+              <a:t>Continuação</a:t>
             </a:r>
           </a:p>
         </p:txBody>
@@ -6995,10 +7429,34 @@
           </a:p>
         </p:txBody>
       </p:sp>
+      <p:pic>
+        <p:nvPicPr>
+          <p:cNvPr id="8" name="Imagem 7"/>
+          <p:cNvPicPr>
+            <a:picLocks noChangeAspect="1"/>
+          </p:cNvPicPr>
+          <p:nvPr/>
+        </p:nvPicPr>
+        <p:blipFill>
+          <a:blip r:embed="rId3"/>
+          <a:stretch>
+            <a:fillRect/>
+          </a:stretch>
+        </p:blipFill>
+        <p:spPr>
+          <a:xfrm>
+            <a:off x="7314189" y="1616426"/>
+            <a:ext cx="4499500" cy="1919605"/>
+          </a:xfrm>
+          <a:prstGeom prst="rect">
+            <a:avLst/>
+          </a:prstGeom>
+        </p:spPr>
+      </p:pic>
     </p:spTree>
     <p:extLst>
       <p:ext uri="{BB962C8B-B14F-4D97-AF65-F5344CB8AC3E}">
-        <p14:creationId xmlns:p14="http://schemas.microsoft.com/office/powerpoint/2010/main" val="2964535313"/>
+        <p14:creationId xmlns:p14="http://schemas.microsoft.com/office/powerpoint/2010/main" val="1543410891"/>
       </p:ext>
     </p:extLst>
   </p:cSld>
